--- a/doc/DegreesOfClimateChangeSummary.pptx
+++ b/doc/DegreesOfClimateChangeSummary.pptx
@@ -12,11 +12,12 @@
     <p:sldId id="489" r:id="rId6"/>
     <p:sldId id="511" r:id="rId7"/>
     <p:sldId id="510" r:id="rId8"/>
-    <p:sldId id="513" r:id="rId9"/>
-    <p:sldId id="514" r:id="rId10"/>
-    <p:sldId id="515" r:id="rId11"/>
-    <p:sldId id="516" r:id="rId12"/>
-    <p:sldId id="517" r:id="rId13"/>
+    <p:sldId id="518" r:id="rId9"/>
+    <p:sldId id="513" r:id="rId10"/>
+    <p:sldId id="514" r:id="rId11"/>
+    <p:sldId id="515" r:id="rId12"/>
+    <p:sldId id="516" r:id="rId13"/>
+    <p:sldId id="517" r:id="rId14"/>
   </p:sldIdLst>
   <p:sldSz cx="12192000" cy="6858000"/>
   <p:notesSz cx="6858000" cy="9144000"/>
@@ -281,7 +282,7 @@
           <a:p>
             <a:fld id="{556866E9-FFCC-4B83-8F1F-43649AB9B126}" type="datetimeFigureOut">
               <a:rPr lang="en-US" smtClean="0"/>
-              <a:t>5/26/2018</a:t>
+              <a:t>5/27/2018</a:t>
             </a:fld>
             <a:endParaRPr lang="en-US"/>
           </a:p>
@@ -479,7 +480,7 @@
           <a:p>
             <a:fld id="{556866E9-FFCC-4B83-8F1F-43649AB9B126}" type="datetimeFigureOut">
               <a:rPr lang="en-US" smtClean="0"/>
-              <a:t>5/26/2018</a:t>
+              <a:t>5/27/2018</a:t>
             </a:fld>
             <a:endParaRPr lang="en-US"/>
           </a:p>
@@ -687,7 +688,7 @@
           <a:p>
             <a:fld id="{556866E9-FFCC-4B83-8F1F-43649AB9B126}" type="datetimeFigureOut">
               <a:rPr lang="en-US" smtClean="0"/>
-              <a:t>5/26/2018</a:t>
+              <a:t>5/27/2018</a:t>
             </a:fld>
             <a:endParaRPr lang="en-US"/>
           </a:p>
@@ -885,7 +886,7 @@
           <a:p>
             <a:fld id="{556866E9-FFCC-4B83-8F1F-43649AB9B126}" type="datetimeFigureOut">
               <a:rPr lang="en-US" smtClean="0"/>
-              <a:t>5/26/2018</a:t>
+              <a:t>5/27/2018</a:t>
             </a:fld>
             <a:endParaRPr lang="en-US"/>
           </a:p>
@@ -1160,7 +1161,7 @@
           <a:p>
             <a:fld id="{556866E9-FFCC-4B83-8F1F-43649AB9B126}" type="datetimeFigureOut">
               <a:rPr lang="en-US" smtClean="0"/>
-              <a:t>5/26/2018</a:t>
+              <a:t>5/27/2018</a:t>
             </a:fld>
             <a:endParaRPr lang="en-US"/>
           </a:p>
@@ -1425,7 +1426,7 @@
           <a:p>
             <a:fld id="{556866E9-FFCC-4B83-8F1F-43649AB9B126}" type="datetimeFigureOut">
               <a:rPr lang="en-US" smtClean="0"/>
-              <a:t>5/26/2018</a:t>
+              <a:t>5/27/2018</a:t>
             </a:fld>
             <a:endParaRPr lang="en-US"/>
           </a:p>
@@ -1837,7 +1838,7 @@
           <a:p>
             <a:fld id="{556866E9-FFCC-4B83-8F1F-43649AB9B126}" type="datetimeFigureOut">
               <a:rPr lang="en-US" smtClean="0"/>
-              <a:t>5/26/2018</a:t>
+              <a:t>5/27/2018</a:t>
             </a:fld>
             <a:endParaRPr lang="en-US"/>
           </a:p>
@@ -1978,7 +1979,7 @@
           <a:p>
             <a:fld id="{556866E9-FFCC-4B83-8F1F-43649AB9B126}" type="datetimeFigureOut">
               <a:rPr lang="en-US" smtClean="0"/>
-              <a:t>5/26/2018</a:t>
+              <a:t>5/27/2018</a:t>
             </a:fld>
             <a:endParaRPr lang="en-US"/>
           </a:p>
@@ -2091,7 +2092,7 @@
           <a:p>
             <a:fld id="{556866E9-FFCC-4B83-8F1F-43649AB9B126}" type="datetimeFigureOut">
               <a:rPr lang="en-US" smtClean="0"/>
-              <a:t>5/26/2018</a:t>
+              <a:t>5/27/2018</a:t>
             </a:fld>
             <a:endParaRPr lang="en-US"/>
           </a:p>
@@ -2402,7 +2403,7 @@
           <a:p>
             <a:fld id="{556866E9-FFCC-4B83-8F1F-43649AB9B126}" type="datetimeFigureOut">
               <a:rPr lang="en-US" smtClean="0"/>
-              <a:t>5/26/2018</a:t>
+              <a:t>5/27/2018</a:t>
             </a:fld>
             <a:endParaRPr lang="en-US"/>
           </a:p>
@@ -2690,7 +2691,7 @@
           <a:p>
             <a:fld id="{556866E9-FFCC-4B83-8F1F-43649AB9B126}" type="datetimeFigureOut">
               <a:rPr lang="en-US" smtClean="0"/>
-              <a:t>5/26/2018</a:t>
+              <a:t>5/27/2018</a:t>
             </a:fld>
             <a:endParaRPr lang="en-US"/>
           </a:p>
@@ -2931,7 +2932,7 @@
           <a:p>
             <a:fld id="{556866E9-FFCC-4B83-8F1F-43649AB9B126}" type="datetimeFigureOut">
               <a:rPr lang="en-US" smtClean="0"/>
-              <a:t>5/26/2018</a:t>
+              <a:t>5/27/2018</a:t>
             </a:fld>
             <a:endParaRPr lang="en-US"/>
           </a:p>
@@ -3584,7 +3585,7 @@
           <p:cNvPr id="2" name="Title 1">
             <a:extLst>
               <a:ext uri="{FF2B5EF4-FFF2-40B4-BE49-F238E27FC236}">
-                <a16:creationId xmlns:a16="http://schemas.microsoft.com/office/drawing/2014/main" id="{67655D41-B6AF-4367-B562-B59F5697887E}"/>
+                <a16:creationId xmlns:a16="http://schemas.microsoft.com/office/drawing/2014/main" id="{86272370-3732-4889-8933-E10AF4707D5B}"/>
               </a:ext>
             </a:extLst>
           </p:cNvPr>
@@ -3602,7 +3603,7 @@
           <a:p>
             <a:r>
               <a:rPr lang="en-US" dirty="0"/>
-              <a:t>Project Structure</a:t>
+              <a:t>Design</a:t>
             </a:r>
           </a:p>
         </p:txBody>
@@ -3612,7 +3613,7 @@
           <p:cNvPr id="3" name="Content Placeholder 2">
             <a:extLst>
               <a:ext uri="{FF2B5EF4-FFF2-40B4-BE49-F238E27FC236}">
-                <a16:creationId xmlns:a16="http://schemas.microsoft.com/office/drawing/2014/main" id="{79EB4A49-BD3C-4854-BCFC-DD80AB7E182E}"/>
+                <a16:creationId xmlns:a16="http://schemas.microsoft.com/office/drawing/2014/main" id="{8A029BE5-33ED-407C-AAD5-FF5867559654}"/>
               </a:ext>
             </a:extLst>
           </p:cNvPr>
@@ -3635,7 +3636,7 @@
     </p:spTree>
     <p:extLst>
       <p:ext uri="{BB962C8B-B14F-4D97-AF65-F5344CB8AC3E}">
-        <p14:creationId xmlns:p14="http://schemas.microsoft.com/office/powerpoint/2010/main" val="2594857076"/>
+        <p14:creationId xmlns:p14="http://schemas.microsoft.com/office/powerpoint/2010/main" val="1468358267"/>
       </p:ext>
     </p:extLst>
   </p:cSld>
@@ -3667,6 +3668,89 @@
           <p:cNvPr id="2" name="Title 1">
             <a:extLst>
               <a:ext uri="{FF2B5EF4-FFF2-40B4-BE49-F238E27FC236}">
+                <a16:creationId xmlns:a16="http://schemas.microsoft.com/office/drawing/2014/main" id="{67655D41-B6AF-4367-B562-B59F5697887E}"/>
+              </a:ext>
+            </a:extLst>
+          </p:cNvPr>
+          <p:cNvSpPr>
+            <a:spLocks noGrp="1"/>
+          </p:cNvSpPr>
+          <p:nvPr>
+            <p:ph type="title"/>
+          </p:nvPr>
+        </p:nvSpPr>
+        <p:spPr/>
+        <p:txBody>
+          <a:bodyPr/>
+          <a:lstStyle/>
+          <a:p>
+            <a:r>
+              <a:rPr lang="en-US" dirty="0"/>
+              <a:t>Project Structure</a:t>
+            </a:r>
+          </a:p>
+        </p:txBody>
+      </p:sp>
+      <p:sp>
+        <p:nvSpPr>
+          <p:cNvPr id="3" name="Content Placeholder 2">
+            <a:extLst>
+              <a:ext uri="{FF2B5EF4-FFF2-40B4-BE49-F238E27FC236}">
+                <a16:creationId xmlns:a16="http://schemas.microsoft.com/office/drawing/2014/main" id="{79EB4A49-BD3C-4854-BCFC-DD80AB7E182E}"/>
+              </a:ext>
+            </a:extLst>
+          </p:cNvPr>
+          <p:cNvSpPr>
+            <a:spLocks noGrp="1"/>
+          </p:cNvSpPr>
+          <p:nvPr>
+            <p:ph idx="1"/>
+          </p:nvPr>
+        </p:nvSpPr>
+        <p:spPr/>
+        <p:txBody>
+          <a:bodyPr/>
+          <a:lstStyle/>
+          <a:p>
+            <a:endParaRPr lang="en-US"/>
+          </a:p>
+        </p:txBody>
+      </p:sp>
+    </p:spTree>
+    <p:extLst>
+      <p:ext uri="{BB962C8B-B14F-4D97-AF65-F5344CB8AC3E}">
+        <p14:creationId xmlns:p14="http://schemas.microsoft.com/office/powerpoint/2010/main" val="2594857076"/>
+      </p:ext>
+    </p:extLst>
+  </p:cSld>
+  <p:clrMapOvr>
+    <a:masterClrMapping/>
+  </p:clrMapOvr>
+</p:sld>
+</file>
+
+<file path=ppt/slides/slide12.xml><?xml version="1.0" encoding="utf-8"?>
+<p:sld xmlns:a="http://schemas.openxmlformats.org/drawingml/2006/main" xmlns:r="http://schemas.openxmlformats.org/officeDocument/2006/relationships" xmlns:p="http://schemas.openxmlformats.org/presentationml/2006/main">
+  <p:cSld>
+    <p:spTree>
+      <p:nvGrpSpPr>
+        <p:cNvPr id="1" name=""/>
+        <p:cNvGrpSpPr/>
+        <p:nvPr/>
+      </p:nvGrpSpPr>
+      <p:grpSpPr>
+        <a:xfrm>
+          <a:off x="0" y="0"/>
+          <a:ext cx="0" cy="0"/>
+          <a:chOff x="0" y="0"/>
+          <a:chExt cx="0" cy="0"/>
+        </a:xfrm>
+      </p:grpSpPr>
+      <p:sp>
+        <p:nvSpPr>
+          <p:cNvPr id="2" name="Title 1">
+            <a:extLst>
+              <a:ext uri="{FF2B5EF4-FFF2-40B4-BE49-F238E27FC236}">
                 <a16:creationId xmlns:a16="http://schemas.microsoft.com/office/drawing/2014/main" id="{1BE23C7C-8E47-4150-8887-F518DD53619C}"/>
               </a:ext>
             </a:extLst>
@@ -3711,7 +3795,16 @@
           <a:bodyPr/>
           <a:lstStyle/>
           <a:p>
-            <a:endParaRPr lang="en-US"/>
+            <a:r>
+              <a:rPr lang="en-US" dirty="0"/>
+              <a:t>Setting up imports to work with modules in different folders can be challenging</a:t>
+            </a:r>
+          </a:p>
+          <a:p>
+            <a:r>
+              <a:rPr lang="en-US" dirty="0"/>
+              <a:t>Setting up imports to work with Travis CI can be challenging</a:t>
+            </a:r>
           </a:p>
         </p:txBody>
       </p:sp>
@@ -3728,7 +3821,7 @@
 </p:sld>
 </file>
 
-<file path=ppt/slides/slide12.xml><?xml version="1.0" encoding="utf-8"?>
+<file path=ppt/slides/slide13.xml><?xml version="1.0" encoding="utf-8"?>
 <p:sld xmlns:a="http://schemas.openxmlformats.org/drawingml/2006/main" xmlns:r="http://schemas.openxmlformats.org/officeDocument/2006/relationships" xmlns:p="http://schemas.openxmlformats.org/presentationml/2006/main">
   <p:cSld>
     <p:spTree>
@@ -4640,7 +4733,7 @@
           <p:cNvPr id="2" name="Title 1">
             <a:extLst>
               <a:ext uri="{FF2B5EF4-FFF2-40B4-BE49-F238E27FC236}">
-                <a16:creationId xmlns:a16="http://schemas.microsoft.com/office/drawing/2014/main" id="{F2E1985A-7E21-4E5B-9343-2D0C19F64CB7}"/>
+                <a16:creationId xmlns:a16="http://schemas.microsoft.com/office/drawing/2014/main" id="{0E8314B4-3373-424B-9EFA-F563EA97DDAA}"/>
               </a:ext>
             </a:extLst>
           </p:cNvPr>
@@ -4651,63 +4744,130 @@
             <p:ph type="title"/>
           </p:nvPr>
         </p:nvSpPr>
-        <p:spPr>
-          <a:xfrm>
-            <a:off x="838200" y="365125"/>
-            <a:ext cx="10515600" cy="1325563"/>
-          </a:xfrm>
-        </p:spPr>
-        <p:txBody>
-          <a:bodyPr/>
-          <a:lstStyle/>
-          <a:p>
-            <a:r>
-              <a:rPr lang="en-US" dirty="0"/>
-              <a:t>Demo</a:t>
-            </a:r>
-          </a:p>
-        </p:txBody>
-      </p:sp>
-      <p:pic>
-        <p:nvPicPr>
-          <p:cNvPr id="9" name="Picture 8">
-            <a:extLst>
-              <a:ext uri="{FF2B5EF4-FFF2-40B4-BE49-F238E27FC236}">
-                <a16:creationId xmlns:a16="http://schemas.microsoft.com/office/drawing/2014/main" id="{6D765BA5-22FA-4A7C-876F-9B7480CB24AC}"/>
-              </a:ext>
-            </a:extLst>
-          </p:cNvPr>
-          <p:cNvPicPr>
-            <a:picLocks noChangeAspect="1"/>
-          </p:cNvPicPr>
-          <p:nvPr/>
-        </p:nvPicPr>
-        <p:blipFill>
-          <a:blip r:embed="rId2">
-            <a:extLst>
-              <a:ext uri="{28A0092B-C50C-407E-A947-70E740481C1C}">
-                <a14:useLocalDpi xmlns:a14="http://schemas.microsoft.com/office/drawing/2010/main" val="0"/>
-              </a:ext>
-            </a:extLst>
-          </a:blip>
-          <a:stretch>
-            <a:fillRect/>
-          </a:stretch>
-        </p:blipFill>
-        <p:spPr>
-          <a:xfrm>
-            <a:off x="2297526" y="1160289"/>
-            <a:ext cx="7596948" cy="5697711"/>
-          </a:xfrm>
-          <a:prstGeom prst="rect">
-            <a:avLst/>
-          </a:prstGeom>
-        </p:spPr>
-      </p:pic>
+        <p:spPr/>
+        <p:txBody>
+          <a:bodyPr/>
+          <a:lstStyle/>
+          <a:p>
+            <a:r>
+              <a:rPr lang="en-US" dirty="0"/>
+              <a:t>National Oceanic and Atmospheric Administration (NOAA)</a:t>
+            </a:r>
+          </a:p>
+        </p:txBody>
+      </p:sp>
+      <p:sp>
+        <p:nvSpPr>
+          <p:cNvPr id="3" name="Content Placeholder 2">
+            <a:extLst>
+              <a:ext uri="{FF2B5EF4-FFF2-40B4-BE49-F238E27FC236}">
+                <a16:creationId xmlns:a16="http://schemas.microsoft.com/office/drawing/2014/main" id="{D091C1F0-E478-41FF-B1C0-C03EEF34C90A}"/>
+              </a:ext>
+            </a:extLst>
+          </p:cNvPr>
+          <p:cNvSpPr>
+            <a:spLocks noGrp="1"/>
+          </p:cNvSpPr>
+          <p:nvPr>
+            <p:ph idx="1"/>
+          </p:nvPr>
+        </p:nvSpPr>
+        <p:spPr/>
+        <p:txBody>
+          <a:bodyPr>
+            <a:normAutofit fontScale="92500" lnSpcReduction="10000"/>
+          </a:bodyPr>
+          <a:lstStyle/>
+          <a:p>
+            <a:r>
+              <a:rPr lang="en-US" dirty="0"/>
+              <a:t>Scientific agency within the National Oceanic and Atmospheric Administration</a:t>
+            </a:r>
+          </a:p>
+          <a:p>
+            <a:r>
+              <a:rPr lang="en-US" dirty="0"/>
+              <a:t>Historic record goes back to 1850</a:t>
+            </a:r>
+          </a:p>
+          <a:p>
+            <a:r>
+              <a:rPr lang="en-US" dirty="0"/>
+              <a:t>Provided calculated global average temperature anomalies</a:t>
+            </a:r>
+          </a:p>
+          <a:p>
+            <a:pPr lvl="1"/>
+            <a:r>
+              <a:rPr lang="en-US" dirty="0"/>
+              <a:t>Earth divided into blocks</a:t>
+            </a:r>
+          </a:p>
+          <a:p>
+            <a:pPr lvl="1"/>
+            <a:r>
+              <a:rPr lang="en-US" dirty="0"/>
+              <a:t>Computed average temperature for each block</a:t>
+            </a:r>
+          </a:p>
+          <a:p>
+            <a:pPr lvl="1"/>
+            <a:r>
+              <a:rPr lang="en-US" dirty="0"/>
+              <a:t>Normalized to the 20</a:t>
+            </a:r>
+            <a:r>
+              <a:rPr lang="en-US" baseline="30000" dirty="0"/>
+              <a:t>th</a:t>
+            </a:r>
+            <a:r>
+              <a:rPr lang="en-US" dirty="0"/>
+              <a:t> century average</a:t>
+            </a:r>
+          </a:p>
+          <a:p>
+            <a:pPr lvl="1"/>
+            <a:r>
+              <a:rPr lang="en-US" dirty="0"/>
+              <a:t>Calculated estimates provided monthly</a:t>
+            </a:r>
+          </a:p>
+          <a:p>
+            <a:r>
+              <a:rPr lang="en-US" dirty="0"/>
+              <a:t>Zhang, H.-M., B. Huang, J. </a:t>
+            </a:r>
+            <a:r>
+              <a:rPr lang="en-US" dirty="0" err="1"/>
+              <a:t>Lawrimore</a:t>
+            </a:r>
+            <a:r>
+              <a:rPr lang="en-US" dirty="0"/>
+              <a:t>, M. </a:t>
+            </a:r>
+            <a:r>
+              <a:rPr lang="en-US" dirty="0" err="1"/>
+              <a:t>Menne</a:t>
+            </a:r>
+            <a:r>
+              <a:rPr lang="en-US" dirty="0"/>
+              <a:t>, Thomas M. Smith, NOAA Global Surface Temperature Dataset (</a:t>
+            </a:r>
+            <a:r>
+              <a:rPr lang="en-US" dirty="0" err="1"/>
+              <a:t>NOAAGlobalTemp</a:t>
+            </a:r>
+            <a:r>
+              <a:rPr lang="en-US" dirty="0"/>
+              <a:t>), Version 4.0 NOAA Global Surface Temperature Data. NOAA National Centers for Environmental Information. doi:10.7289/V5FN144H.</a:t>
+            </a:r>
+          </a:p>
+        </p:txBody>
+      </p:sp>
     </p:spTree>
     <p:extLst>
       <p:ext uri="{BB962C8B-B14F-4D97-AF65-F5344CB8AC3E}">
-        <p14:creationId xmlns:p14="http://schemas.microsoft.com/office/powerpoint/2010/main" val="965690330"/>
+        <p14:creationId xmlns:p14="http://schemas.microsoft.com/office/powerpoint/2010/main" val="2974420598"/>
       </p:ext>
     </p:extLst>
   </p:cSld>
@@ -4739,7 +4899,7 @@
           <p:cNvPr id="2" name="Title 1">
             <a:extLst>
               <a:ext uri="{FF2B5EF4-FFF2-40B4-BE49-F238E27FC236}">
-                <a16:creationId xmlns:a16="http://schemas.microsoft.com/office/drawing/2014/main" id="{86272370-3732-4889-8933-E10AF4707D5B}"/>
+                <a16:creationId xmlns:a16="http://schemas.microsoft.com/office/drawing/2014/main" id="{F2E1985A-7E21-4E5B-9343-2D0C19F64CB7}"/>
               </a:ext>
             </a:extLst>
           </p:cNvPr>
@@ -4750,47 +4910,63 @@
             <p:ph type="title"/>
           </p:nvPr>
         </p:nvSpPr>
-        <p:spPr/>
-        <p:txBody>
-          <a:bodyPr/>
-          <a:lstStyle/>
-          <a:p>
-            <a:r>
-              <a:rPr lang="en-US" dirty="0"/>
-              <a:t>Design</a:t>
-            </a:r>
-          </a:p>
-        </p:txBody>
-      </p:sp>
-      <p:sp>
-        <p:nvSpPr>
-          <p:cNvPr id="3" name="Content Placeholder 2">
-            <a:extLst>
-              <a:ext uri="{FF2B5EF4-FFF2-40B4-BE49-F238E27FC236}">
-                <a16:creationId xmlns:a16="http://schemas.microsoft.com/office/drawing/2014/main" id="{8A029BE5-33ED-407C-AAD5-FF5867559654}"/>
-              </a:ext>
-            </a:extLst>
-          </p:cNvPr>
-          <p:cNvSpPr>
-            <a:spLocks noGrp="1"/>
-          </p:cNvSpPr>
-          <p:nvPr>
-            <p:ph idx="1"/>
-          </p:nvPr>
-        </p:nvSpPr>
-        <p:spPr/>
-        <p:txBody>
-          <a:bodyPr/>
-          <a:lstStyle/>
-          <a:p>
-            <a:endParaRPr lang="en-US"/>
-          </a:p>
-        </p:txBody>
-      </p:sp>
+        <p:spPr>
+          <a:xfrm>
+            <a:off x="838200" y="365125"/>
+            <a:ext cx="10515600" cy="1325563"/>
+          </a:xfrm>
+        </p:spPr>
+        <p:txBody>
+          <a:bodyPr/>
+          <a:lstStyle/>
+          <a:p>
+            <a:r>
+              <a:rPr lang="en-US" dirty="0"/>
+              <a:t>Demo</a:t>
+            </a:r>
+          </a:p>
+        </p:txBody>
+      </p:sp>
+      <p:pic>
+        <p:nvPicPr>
+          <p:cNvPr id="9" name="Picture 8">
+            <a:extLst>
+              <a:ext uri="{FF2B5EF4-FFF2-40B4-BE49-F238E27FC236}">
+                <a16:creationId xmlns:a16="http://schemas.microsoft.com/office/drawing/2014/main" id="{6D765BA5-22FA-4A7C-876F-9B7480CB24AC}"/>
+              </a:ext>
+            </a:extLst>
+          </p:cNvPr>
+          <p:cNvPicPr>
+            <a:picLocks noChangeAspect="1"/>
+          </p:cNvPicPr>
+          <p:nvPr/>
+        </p:nvPicPr>
+        <p:blipFill>
+          <a:blip r:embed="rId2">
+            <a:extLst>
+              <a:ext uri="{28A0092B-C50C-407E-A947-70E740481C1C}">
+                <a14:useLocalDpi xmlns:a14="http://schemas.microsoft.com/office/drawing/2010/main" val="0"/>
+              </a:ext>
+            </a:extLst>
+          </a:blip>
+          <a:stretch>
+            <a:fillRect/>
+          </a:stretch>
+        </p:blipFill>
+        <p:spPr>
+          <a:xfrm>
+            <a:off x="2297526" y="1160289"/>
+            <a:ext cx="7596948" cy="5697711"/>
+          </a:xfrm>
+          <a:prstGeom prst="rect">
+            <a:avLst/>
+          </a:prstGeom>
+        </p:spPr>
+      </p:pic>
     </p:spTree>
     <p:extLst>
       <p:ext uri="{BB962C8B-B14F-4D97-AF65-F5344CB8AC3E}">
-        <p14:creationId xmlns:p14="http://schemas.microsoft.com/office/powerpoint/2010/main" val="1468358267"/>
+        <p14:creationId xmlns:p14="http://schemas.microsoft.com/office/powerpoint/2010/main" val="965690330"/>
       </p:ext>
     </p:extLst>
   </p:cSld>
